--- a/Database Notes/Midterm test 1.pptx
+++ b/Database Notes/Midterm test 1.pptx
@@ -263,7 +263,7 @@
           <a:p>
             <a:fld id="{64B0B0C9-A408-477B-A1D4-8DAF8993E190}" type="datetimeFigureOut">
               <a:rPr lang="en-US" smtClean="0"/>
-              <a:t>8/29/2016</a:t>
+              <a:t>9/19/2016</a:t>
             </a:fld>
             <a:endParaRPr lang="en-US"/>
           </a:p>
@@ -433,7 +433,7 @@
           <a:p>
             <a:fld id="{64B0B0C9-A408-477B-A1D4-8DAF8993E190}" type="datetimeFigureOut">
               <a:rPr lang="en-US" smtClean="0"/>
-              <a:t>8/29/2016</a:t>
+              <a:t>9/19/2016</a:t>
             </a:fld>
             <a:endParaRPr lang="en-US"/>
           </a:p>
@@ -613,7 +613,7 @@
           <a:p>
             <a:fld id="{64B0B0C9-A408-477B-A1D4-8DAF8993E190}" type="datetimeFigureOut">
               <a:rPr lang="en-US" smtClean="0"/>
-              <a:t>8/29/2016</a:t>
+              <a:t>9/19/2016</a:t>
             </a:fld>
             <a:endParaRPr lang="en-US"/>
           </a:p>
@@ -783,7 +783,7 @@
           <a:p>
             <a:fld id="{64B0B0C9-A408-477B-A1D4-8DAF8993E190}" type="datetimeFigureOut">
               <a:rPr lang="en-US" smtClean="0"/>
-              <a:t>8/29/2016</a:t>
+              <a:t>9/19/2016</a:t>
             </a:fld>
             <a:endParaRPr lang="en-US"/>
           </a:p>
@@ -1029,7 +1029,7 @@
           <a:p>
             <a:fld id="{64B0B0C9-A408-477B-A1D4-8DAF8993E190}" type="datetimeFigureOut">
               <a:rPr lang="en-US" smtClean="0"/>
-              <a:t>8/29/2016</a:t>
+              <a:t>9/19/2016</a:t>
             </a:fld>
             <a:endParaRPr lang="en-US"/>
           </a:p>
@@ -1261,7 +1261,7 @@
           <a:p>
             <a:fld id="{64B0B0C9-A408-477B-A1D4-8DAF8993E190}" type="datetimeFigureOut">
               <a:rPr lang="en-US" smtClean="0"/>
-              <a:t>8/29/2016</a:t>
+              <a:t>9/19/2016</a:t>
             </a:fld>
             <a:endParaRPr lang="en-US"/>
           </a:p>
@@ -1628,7 +1628,7 @@
           <a:p>
             <a:fld id="{64B0B0C9-A408-477B-A1D4-8DAF8993E190}" type="datetimeFigureOut">
               <a:rPr lang="en-US" smtClean="0"/>
-              <a:t>8/29/2016</a:t>
+              <a:t>9/19/2016</a:t>
             </a:fld>
             <a:endParaRPr lang="en-US"/>
           </a:p>
@@ -1746,7 +1746,7 @@
           <a:p>
             <a:fld id="{64B0B0C9-A408-477B-A1D4-8DAF8993E190}" type="datetimeFigureOut">
               <a:rPr lang="en-US" smtClean="0"/>
-              <a:t>8/29/2016</a:t>
+              <a:t>9/19/2016</a:t>
             </a:fld>
             <a:endParaRPr lang="en-US"/>
           </a:p>
@@ -1841,7 +1841,7 @@
           <a:p>
             <a:fld id="{64B0B0C9-A408-477B-A1D4-8DAF8993E190}" type="datetimeFigureOut">
               <a:rPr lang="en-US" smtClean="0"/>
-              <a:t>8/29/2016</a:t>
+              <a:t>9/19/2016</a:t>
             </a:fld>
             <a:endParaRPr lang="en-US"/>
           </a:p>
@@ -2118,7 +2118,7 @@
           <a:p>
             <a:fld id="{64B0B0C9-A408-477B-A1D4-8DAF8993E190}" type="datetimeFigureOut">
               <a:rPr lang="en-US" smtClean="0"/>
-              <a:t>8/29/2016</a:t>
+              <a:t>9/19/2016</a:t>
             </a:fld>
             <a:endParaRPr lang="en-US"/>
           </a:p>
@@ -2371,7 +2371,7 @@
           <a:p>
             <a:fld id="{64B0B0C9-A408-477B-A1D4-8DAF8993E190}" type="datetimeFigureOut">
               <a:rPr lang="en-US" smtClean="0"/>
-              <a:t>8/29/2016</a:t>
+              <a:t>9/19/2016</a:t>
             </a:fld>
             <a:endParaRPr lang="en-US"/>
           </a:p>
@@ -2584,7 +2584,7 @@
           <a:p>
             <a:fld id="{64B0B0C9-A408-477B-A1D4-8DAF8993E190}" type="datetimeFigureOut">
               <a:rPr lang="en-US" smtClean="0"/>
-              <a:t>8/29/2016</a:t>
+              <a:t>9/19/2016</a:t>
             </a:fld>
             <a:endParaRPr lang="en-US"/>
           </a:p>
@@ -3207,48 +3207,56 @@
           <a:lstStyle/>
           <a:p>
             <a:r>
+              <a:rPr lang="en-US" altLang="en-US" dirty="0" smtClean="0"/>
+              <a:t>What are the tiers of the three tier client server architecture and their tasks?</a:t>
+            </a:r>
+          </a:p>
+          <a:p>
+            <a:r>
+              <a:rPr lang="en-US" altLang="en-US" dirty="0" smtClean="0"/>
+              <a:t>First tier – client – tasks – user interface</a:t>
+            </a:r>
+          </a:p>
+          <a:p>
+            <a:r>
+              <a:rPr lang="en-US" altLang="en-US" dirty="0" smtClean="0"/>
+              <a:t>Second tier – application server – tasks – business logic, data processing logic</a:t>
+            </a:r>
+          </a:p>
+          <a:p>
+            <a:r>
+              <a:rPr lang="en-US" altLang="en-US" dirty="0" smtClean="0"/>
+              <a:t>Third tier – database server – tasks – data validation, database access</a:t>
+            </a:r>
+          </a:p>
+          <a:p>
+            <a:r>
+              <a:rPr lang="en-US" altLang="en-US" dirty="0" smtClean="0"/>
+              <a:t>------</a:t>
+            </a:r>
+          </a:p>
+          <a:p>
+            <a:r>
+              <a:rPr lang="en-US" altLang="en-US" dirty="0" smtClean="0"/>
+              <a:t>Two attributes of a relation must have different domains FALSE</a:t>
+            </a:r>
+          </a:p>
+          <a:p>
+            <a:r>
+              <a:rPr lang="en-US" altLang="en-US" dirty="0" smtClean="0"/>
+              <a:t>An attribute of one relation and an attribute </a:t>
+            </a:r>
+            <a:r>
               <a:rPr lang="en-US" altLang="en-US" smtClean="0"/>
-              <a:t>What are the tiers of the three tier client server architecture and their tasks?</a:t>
-            </a:r>
-          </a:p>
-          <a:p>
-            <a:r>
-              <a:rPr lang="en-US" altLang="en-US" smtClean="0"/>
-              <a:t>First tier – client – tasks – user interface</a:t>
-            </a:r>
-          </a:p>
-          <a:p>
-            <a:r>
-              <a:rPr lang="en-US" altLang="en-US" smtClean="0"/>
-              <a:t>Second tier – application server – tasks – business logic, data processing logic</a:t>
-            </a:r>
-          </a:p>
-          <a:p>
-            <a:r>
-              <a:rPr lang="en-US" altLang="en-US" smtClean="0"/>
-              <a:t>Third tier – database server – tasks – data validation, database access</a:t>
-            </a:r>
-          </a:p>
-          <a:p>
-            <a:r>
-              <a:rPr lang="en-US" altLang="en-US" smtClean="0"/>
-              <a:t>------</a:t>
-            </a:r>
-          </a:p>
-          <a:p>
-            <a:r>
-              <a:rPr lang="en-US" altLang="en-US" smtClean="0"/>
-              <a:t>Two attributes of a relation must have different domains FALSE</a:t>
-            </a:r>
-          </a:p>
-          <a:p>
-            <a:r>
-              <a:rPr lang="en-US" altLang="en-US" smtClean="0"/>
-              <a:t>An attribute of one relation and an attribute fo antoher relation may have the same domains TRUE</a:t>
-            </a:r>
-          </a:p>
-          <a:p>
-            <a:endParaRPr lang="en-US" altLang="en-US" smtClean="0"/>
+              <a:t>for another </a:t>
+            </a:r>
+            <a:r>
+              <a:rPr lang="en-US" altLang="en-US" dirty="0" smtClean="0"/>
+              <a:t>relation may have the same domains TRUE</a:t>
+            </a:r>
+          </a:p>
+          <a:p>
+            <a:endParaRPr lang="en-US" altLang="en-US" dirty="0" smtClean="0"/>
           </a:p>
         </p:txBody>
       </p:sp>
@@ -3341,14 +3349,14 @@
                 <a:gridCol w="1385094">
                   <a:extLst>
                     <a:ext uri="{9D8B030D-6E8A-4147-A177-3AD203B41FA5}">
-                      <a16:colId xmlns:a16="http://schemas.microsoft.com/office/drawing/2014/main" xmlns="" val="3493904810"/>
+                      <a16:colId xmlns="" xmlns:a16="http://schemas.microsoft.com/office/drawing/2014/main" val="3493904810"/>
                     </a:ext>
                   </a:extLst>
                 </a:gridCol>
                 <a:gridCol w="1385094">
                   <a:extLst>
                     <a:ext uri="{9D8B030D-6E8A-4147-A177-3AD203B41FA5}">
-                      <a16:colId xmlns:a16="http://schemas.microsoft.com/office/drawing/2014/main" xmlns="" val="438153770"/>
+                      <a16:colId xmlns="" xmlns:a16="http://schemas.microsoft.com/office/drawing/2014/main" val="438153770"/>
                     </a:ext>
                   </a:extLst>
                 </a:gridCol>
@@ -3482,7 +3490,7 @@
                 </a:tc>
                 <a:extLst>
                   <a:ext uri="{0D108BD9-81ED-4DB2-BD59-A6C34878D82A}">
-                    <a16:rowId xmlns:a16="http://schemas.microsoft.com/office/drawing/2014/main" xmlns="" val="177553329"/>
+                    <a16:rowId xmlns="" xmlns:a16="http://schemas.microsoft.com/office/drawing/2014/main" val="177553329"/>
                   </a:ext>
                 </a:extLst>
               </a:tr>
@@ -3598,7 +3606,7 @@
                 </a:tc>
                 <a:extLst>
                   <a:ext uri="{0D108BD9-81ED-4DB2-BD59-A6C34878D82A}">
-                    <a16:rowId xmlns:a16="http://schemas.microsoft.com/office/drawing/2014/main" xmlns="" val="624963739"/>
+                    <a16:rowId xmlns="" xmlns:a16="http://schemas.microsoft.com/office/drawing/2014/main" val="624963739"/>
                   </a:ext>
                 </a:extLst>
               </a:tr>
@@ -3715,7 +3723,7 @@
                 </a:tc>
                 <a:extLst>
                   <a:ext uri="{0D108BD9-81ED-4DB2-BD59-A6C34878D82A}">
-                    <a16:rowId xmlns:a16="http://schemas.microsoft.com/office/drawing/2014/main" xmlns="" val="2981349033"/>
+                    <a16:rowId xmlns="" xmlns:a16="http://schemas.microsoft.com/office/drawing/2014/main" val="2981349033"/>
                   </a:ext>
                 </a:extLst>
               </a:tr>
@@ -3832,7 +3840,7 @@
                 </a:tc>
                 <a:extLst>
                   <a:ext uri="{0D108BD9-81ED-4DB2-BD59-A6C34878D82A}">
-                    <a16:rowId xmlns:a16="http://schemas.microsoft.com/office/drawing/2014/main" xmlns="" val="4184841671"/>
+                    <a16:rowId xmlns="" xmlns:a16="http://schemas.microsoft.com/office/drawing/2014/main" val="4184841671"/>
                   </a:ext>
                 </a:extLst>
               </a:tr>
@@ -3949,7 +3957,7 @@
                 </a:tc>
                 <a:extLst>
                   <a:ext uri="{0D108BD9-81ED-4DB2-BD59-A6C34878D82A}">
-                    <a16:rowId xmlns:a16="http://schemas.microsoft.com/office/drawing/2014/main" xmlns="" val="572435375"/>
+                    <a16:rowId xmlns="" xmlns:a16="http://schemas.microsoft.com/office/drawing/2014/main" val="572435375"/>
                   </a:ext>
                 </a:extLst>
               </a:tr>
@@ -4066,7 +4074,7 @@
                 </a:tc>
                 <a:extLst>
                   <a:ext uri="{0D108BD9-81ED-4DB2-BD59-A6C34878D82A}">
-                    <a16:rowId xmlns:a16="http://schemas.microsoft.com/office/drawing/2014/main" xmlns="" val="1486803330"/>
+                    <a16:rowId xmlns="" xmlns:a16="http://schemas.microsoft.com/office/drawing/2014/main" val="1486803330"/>
                   </a:ext>
                 </a:extLst>
               </a:tr>
@@ -4183,7 +4191,7 @@
                 </a:tc>
                 <a:extLst>
                   <a:ext uri="{0D108BD9-81ED-4DB2-BD59-A6C34878D82A}">
-                    <a16:rowId xmlns:a16="http://schemas.microsoft.com/office/drawing/2014/main" xmlns="" val="119494356"/>
+                    <a16:rowId xmlns="" xmlns:a16="http://schemas.microsoft.com/office/drawing/2014/main" val="119494356"/>
                   </a:ext>
                 </a:extLst>
               </a:tr>
@@ -4300,7 +4308,7 @@
                 </a:tc>
                 <a:extLst>
                   <a:ext uri="{0D108BD9-81ED-4DB2-BD59-A6C34878D82A}">
-                    <a16:rowId xmlns:a16="http://schemas.microsoft.com/office/drawing/2014/main" xmlns="" val="2932965722"/>
+                    <a16:rowId xmlns="" xmlns:a16="http://schemas.microsoft.com/office/drawing/2014/main" val="2932965722"/>
                   </a:ext>
                 </a:extLst>
               </a:tr>
@@ -4397,7 +4405,7 @@
                 <a:gridCol w="722313">
                   <a:extLst>
                     <a:ext uri="{9D8B030D-6E8A-4147-A177-3AD203B41FA5}">
-                      <a16:colId xmlns:a16="http://schemas.microsoft.com/office/drawing/2014/main" xmlns="" val="4235613932"/>
+                      <a16:colId xmlns="" xmlns:a16="http://schemas.microsoft.com/office/drawing/2014/main" val="4235613932"/>
                     </a:ext>
                   </a:extLst>
                 </a:gridCol>
@@ -4432,7 +4440,7 @@
                 </a:tc>
                 <a:extLst>
                   <a:ext uri="{0D108BD9-81ED-4DB2-BD59-A6C34878D82A}">
-                    <a16:rowId xmlns:a16="http://schemas.microsoft.com/office/drawing/2014/main" xmlns="" val="1862734962"/>
+                    <a16:rowId xmlns="" xmlns:a16="http://schemas.microsoft.com/office/drawing/2014/main" val="1862734962"/>
                   </a:ext>
                 </a:extLst>
               </a:tr>
@@ -4462,7 +4470,7 @@
                 <a:gridCol w="930275">
                   <a:extLst>
                     <a:ext uri="{9D8B030D-6E8A-4147-A177-3AD203B41FA5}">
-                      <a16:colId xmlns:a16="http://schemas.microsoft.com/office/drawing/2014/main" xmlns="" val="4235613932"/>
+                      <a16:colId xmlns="" xmlns:a16="http://schemas.microsoft.com/office/drawing/2014/main" val="4235613932"/>
                     </a:ext>
                   </a:extLst>
                 </a:gridCol>
@@ -4497,7 +4505,7 @@
                 </a:tc>
                 <a:extLst>
                   <a:ext uri="{0D108BD9-81ED-4DB2-BD59-A6C34878D82A}">
-                    <a16:rowId xmlns:a16="http://schemas.microsoft.com/office/drawing/2014/main" xmlns="" val="1862734962"/>
+                    <a16:rowId xmlns="" xmlns:a16="http://schemas.microsoft.com/office/drawing/2014/main" val="1862734962"/>
                   </a:ext>
                 </a:extLst>
               </a:tr>
